--- a/images/art2.pptx
+++ b/images/art2.pptx
@@ -104,6 +104,11 @@
       </a:defRPr>
     </a:lvl9pPr>
   </p:defaultTextStyle>
+  <p:extLst>
+    <p:ext uri="{EFAFB233-063F-42B5-8137-9DF3F51BA10A}">
+      <p15:sldGuideLst xmlns:p15="http://schemas.microsoft.com/office/powerpoint/2012/main"/>
+    </p:ext>
+  </p:extLst>
 </p:presentation>
 </file>
 
@@ -254,7 +259,7 @@
           <a:p>
             <a:fld id="{B1AA2132-DBA7-7C49-A310-CD7BC78DC54A}" type="datetimeFigureOut">
               <a:rPr lang="en-US" smtClean="0"/>
-              <a:t>7/19/22</a:t>
+              <a:t>1/15/23</a:t>
             </a:fld>
             <a:endParaRPr lang="en-US"/>
           </a:p>
@@ -452,7 +457,7 @@
           <a:p>
             <a:fld id="{B1AA2132-DBA7-7C49-A310-CD7BC78DC54A}" type="datetimeFigureOut">
               <a:rPr lang="en-US" smtClean="0"/>
-              <a:t>7/19/22</a:t>
+              <a:t>1/15/23</a:t>
             </a:fld>
             <a:endParaRPr lang="en-US"/>
           </a:p>
@@ -660,7 +665,7 @@
           <a:p>
             <a:fld id="{B1AA2132-DBA7-7C49-A310-CD7BC78DC54A}" type="datetimeFigureOut">
               <a:rPr lang="en-US" smtClean="0"/>
-              <a:t>7/19/22</a:t>
+              <a:t>1/15/23</a:t>
             </a:fld>
             <a:endParaRPr lang="en-US"/>
           </a:p>
@@ -858,7 +863,7 @@
           <a:p>
             <a:fld id="{B1AA2132-DBA7-7C49-A310-CD7BC78DC54A}" type="datetimeFigureOut">
               <a:rPr lang="en-US" smtClean="0"/>
-              <a:t>7/19/22</a:t>
+              <a:t>1/15/23</a:t>
             </a:fld>
             <a:endParaRPr lang="en-US"/>
           </a:p>
@@ -1133,7 +1138,7 @@
           <a:p>
             <a:fld id="{B1AA2132-DBA7-7C49-A310-CD7BC78DC54A}" type="datetimeFigureOut">
               <a:rPr lang="en-US" smtClean="0"/>
-              <a:t>7/19/22</a:t>
+              <a:t>1/15/23</a:t>
             </a:fld>
             <a:endParaRPr lang="en-US"/>
           </a:p>
@@ -1398,7 +1403,7 @@
           <a:p>
             <a:fld id="{B1AA2132-DBA7-7C49-A310-CD7BC78DC54A}" type="datetimeFigureOut">
               <a:rPr lang="en-US" smtClean="0"/>
-              <a:t>7/19/22</a:t>
+              <a:t>1/15/23</a:t>
             </a:fld>
             <a:endParaRPr lang="en-US"/>
           </a:p>
@@ -1810,7 +1815,7 @@
           <a:p>
             <a:fld id="{B1AA2132-DBA7-7C49-A310-CD7BC78DC54A}" type="datetimeFigureOut">
               <a:rPr lang="en-US" smtClean="0"/>
-              <a:t>7/19/22</a:t>
+              <a:t>1/15/23</a:t>
             </a:fld>
             <a:endParaRPr lang="en-US"/>
           </a:p>
@@ -1951,7 +1956,7 @@
           <a:p>
             <a:fld id="{B1AA2132-DBA7-7C49-A310-CD7BC78DC54A}" type="datetimeFigureOut">
               <a:rPr lang="en-US" smtClean="0"/>
-              <a:t>7/19/22</a:t>
+              <a:t>1/15/23</a:t>
             </a:fld>
             <a:endParaRPr lang="en-US"/>
           </a:p>
@@ -2064,7 +2069,7 @@
           <a:p>
             <a:fld id="{B1AA2132-DBA7-7C49-A310-CD7BC78DC54A}" type="datetimeFigureOut">
               <a:rPr lang="en-US" smtClean="0"/>
-              <a:t>7/19/22</a:t>
+              <a:t>1/15/23</a:t>
             </a:fld>
             <a:endParaRPr lang="en-US"/>
           </a:p>
@@ -2375,7 +2380,7 @@
           <a:p>
             <a:fld id="{B1AA2132-DBA7-7C49-A310-CD7BC78DC54A}" type="datetimeFigureOut">
               <a:rPr lang="en-US" smtClean="0"/>
-              <a:t>7/19/22</a:t>
+              <a:t>1/15/23</a:t>
             </a:fld>
             <a:endParaRPr lang="en-US"/>
           </a:p>
@@ -2663,7 +2668,7 @@
           <a:p>
             <a:fld id="{B1AA2132-DBA7-7C49-A310-CD7BC78DC54A}" type="datetimeFigureOut">
               <a:rPr lang="en-US" smtClean="0"/>
-              <a:t>7/19/22</a:t>
+              <a:t>1/15/23</a:t>
             </a:fld>
             <a:endParaRPr lang="en-US"/>
           </a:p>
@@ -2904,7 +2909,7 @@
           <a:p>
             <a:fld id="{B1AA2132-DBA7-7C49-A310-CD7BC78DC54A}" type="datetimeFigureOut">
               <a:rPr lang="en-US" smtClean="0"/>
-              <a:t>7/19/22</a:t>
+              <a:t>1/15/23</a:t>
             </a:fld>
             <a:endParaRPr lang="en-US"/>
           </a:p>
@@ -3335,7 +3340,7 @@
           </p:cNvPicPr>
           <p:nvPr/>
         </p:nvPicPr>
-        <p:blipFill>
+        <p:blipFill rotWithShape="1">
           <a:blip r:embed="rId2">
             <a:extLst>
               <a:ext uri="{BEBA8EAE-BF5A-486C-A8C5-ECC9F3942E4B}">
@@ -3390,14 +3395,13 @@
               </a:ext>
             </a:extLst>
           </a:blip>
-          <a:stretch>
-            <a:fillRect/>
-          </a:stretch>
+          <a:srcRect t="16036" b="16937"/>
+          <a:stretch/>
         </p:blipFill>
         <p:spPr>
           <a:xfrm>
-            <a:off x="3472815" y="0"/>
-            <a:ext cx="5246370" cy="6858000"/>
+            <a:off x="3472815" y="1099750"/>
+            <a:ext cx="5246370" cy="4596715"/>
           </a:xfrm>
           <a:prstGeom prst="rect">
             <a:avLst/>
